--- a/Nhom1_Slide Bao ve.pptx
+++ b/Nhom1_Slide Bao ve.pptx
@@ -264,7 +264,7 @@
           <a:p>
             <a:fld id="{0E60C573-F170-4ABE-A85D-5C8F0E619B83}" type="datetimeFigureOut">
               <a:rPr lang="en-US" smtClean="0"/>
-              <a:t>23/10/2016</a:t>
+              <a:t>26/10/2016</a:t>
             </a:fld>
             <a:endParaRPr lang="en-US"/>
           </a:p>
@@ -1133,7 +1133,7 @@
           <a:p>
             <a:fld id="{0E60C573-F170-4ABE-A85D-5C8F0E619B83}" type="datetimeFigureOut">
               <a:rPr lang="en-US" smtClean="0"/>
-              <a:t>23/10/2016</a:t>
+              <a:t>26/10/2016</a:t>
             </a:fld>
             <a:endParaRPr lang="en-US"/>
           </a:p>
@@ -1308,7 +1308,7 @@
           <a:p>
             <a:fld id="{0E60C573-F170-4ABE-A85D-5C8F0E619B83}" type="datetimeFigureOut">
               <a:rPr lang="en-US" smtClean="0"/>
-              <a:t>23/10/2016</a:t>
+              <a:t>26/10/2016</a:t>
             </a:fld>
             <a:endParaRPr lang="en-US"/>
           </a:p>
@@ -1478,7 +1478,7 @@
           <a:p>
             <a:fld id="{0E60C573-F170-4ABE-A85D-5C8F0E619B83}" type="datetimeFigureOut">
               <a:rPr lang="en-US" smtClean="0"/>
-              <a:t>23/10/2016</a:t>
+              <a:t>26/10/2016</a:t>
             </a:fld>
             <a:endParaRPr lang="en-US"/>
           </a:p>
@@ -1688,7 +1688,7 @@
           <a:p>
             <a:fld id="{0E60C573-F170-4ABE-A85D-5C8F0E619B83}" type="datetimeFigureOut">
               <a:rPr lang="en-US" smtClean="0"/>
-              <a:t>23/10/2016</a:t>
+              <a:t>26/10/2016</a:t>
             </a:fld>
             <a:endParaRPr lang="en-US"/>
           </a:p>
@@ -2502,7 +2502,7 @@
           <a:p>
             <a:fld id="{0E60C573-F170-4ABE-A85D-5C8F0E619B83}" type="datetimeFigureOut">
               <a:rPr lang="en-US" smtClean="0"/>
-              <a:t>23/10/2016</a:t>
+              <a:t>26/10/2016</a:t>
             </a:fld>
             <a:endParaRPr lang="en-US"/>
           </a:p>
@@ -2738,7 +2738,7 @@
           <a:p>
             <a:fld id="{0E60C573-F170-4ABE-A85D-5C8F0E619B83}" type="datetimeFigureOut">
               <a:rPr lang="en-US" smtClean="0"/>
-              <a:t>23/10/2016</a:t>
+              <a:t>26/10/2016</a:t>
             </a:fld>
             <a:endParaRPr lang="en-US"/>
           </a:p>
@@ -3061,7 +3061,7 @@
           <a:p>
             <a:fld id="{0E60C573-F170-4ABE-A85D-5C8F0E619B83}" type="datetimeFigureOut">
               <a:rPr lang="en-US" smtClean="0"/>
-              <a:t>23/10/2016</a:t>
+              <a:t>26/10/2016</a:t>
             </a:fld>
             <a:endParaRPr lang="en-US"/>
           </a:p>
@@ -3151,7 +3151,7 @@
           <a:p>
             <a:fld id="{0E60C573-F170-4ABE-A85D-5C8F0E619B83}" type="datetimeFigureOut">
               <a:rPr lang="en-US" smtClean="0"/>
-              <a:t>23/10/2016</a:t>
+              <a:t>26/10/2016</a:t>
             </a:fld>
             <a:endParaRPr lang="en-US"/>
           </a:p>
@@ -3668,7 +3668,7 @@
           <a:p>
             <a:fld id="{0E60C573-F170-4ABE-A85D-5C8F0E619B83}" type="datetimeFigureOut">
               <a:rPr lang="en-US" smtClean="0"/>
-              <a:t>23/10/2016</a:t>
+              <a:t>26/10/2016</a:t>
             </a:fld>
             <a:endParaRPr lang="en-US"/>
           </a:p>
@@ -4179,7 +4179,7 @@
           <a:p>
             <a:fld id="{0E60C573-F170-4ABE-A85D-5C8F0E619B83}" type="datetimeFigureOut">
               <a:rPr lang="en-US" smtClean="0"/>
-              <a:t>23/10/2016</a:t>
+              <a:t>26/10/2016</a:t>
             </a:fld>
             <a:endParaRPr lang="en-US"/>
           </a:p>
@@ -4424,7 +4424,7 @@
           <a:p>
             <a:fld id="{0E60C573-F170-4ABE-A85D-5C8F0E619B83}" type="datetimeFigureOut">
               <a:rPr lang="en-US" smtClean="0"/>
-              <a:t>23/10/2016</a:t>
+              <a:t>26/10/2016</a:t>
             </a:fld>
             <a:endParaRPr lang="en-US"/>
           </a:p>
@@ -5220,25 +5220,8 @@
                 <a:latin typeface="Times New Roman" pitchFamily="18" charset="0"/>
                 <a:cs typeface="Times New Roman" pitchFamily="18" charset="0"/>
               </a:rPr>
-              <a:t>NHÓM </a:t>
-            </a:r>
-            <a:r>
-              <a:rPr lang="en-US" sz="3200" dirty="0" smtClean="0">
-                <a:solidFill>
-                  <a:srgbClr val="FF0000"/>
-                </a:solidFill>
-                <a:latin typeface="Times New Roman" pitchFamily="18" charset="0"/>
-                <a:cs typeface="Times New Roman" pitchFamily="18" charset="0"/>
-              </a:rPr>
-              <a:t>1 :</a:t>
-            </a:r>
-            <a:endParaRPr lang="en-US" sz="3200" dirty="0" smtClean="0">
-              <a:solidFill>
-                <a:srgbClr val="FF0000"/>
-              </a:solidFill>
-              <a:latin typeface="Times New Roman" pitchFamily="18" charset="0"/>
-              <a:cs typeface="Times New Roman" pitchFamily="18" charset="0"/>
-            </a:endParaRPr>
+              <a:t>NHÓM 1 :</a:t>
+            </a:r>
           </a:p>
           <a:p>
             <a:pPr algn="ctr"/>
@@ -7784,13 +7767,13 @@
   <p:clrMapOvr>
     <a:masterClrMapping/>
   </p:clrMapOvr>
-  <mc:AlternateContent xmlns:mc="http://schemas.openxmlformats.org/markup-compatibility/2006">
-    <mc:Choice xmlns:p14="http://schemas.microsoft.com/office/powerpoint/2010/main" Requires="p14">
+  <mc:AlternateContent xmlns:mc="http://schemas.openxmlformats.org/markup-compatibility/2006" xmlns:p14="http://schemas.microsoft.com/office/powerpoint/2010/main">
+    <mc:Choice Requires="p14">
       <p:transition spd="slow" p14:dur="1100">
         <p14:switch dir="r"/>
       </p:transition>
     </mc:Choice>
-    <mc:Fallback>
+    <mc:Fallback xmlns="">
       <p:transition spd="slow">
         <p:fade/>
       </p:transition>
@@ -9405,13 +9388,13 @@
   <p:clrMapOvr>
     <a:masterClrMapping/>
   </p:clrMapOvr>
-  <mc:AlternateContent xmlns:mc="http://schemas.openxmlformats.org/markup-compatibility/2006">
-    <mc:Choice xmlns:p14="http://schemas.microsoft.com/office/powerpoint/2010/main" Requires="p14">
+  <mc:AlternateContent xmlns:mc="http://schemas.openxmlformats.org/markup-compatibility/2006" xmlns:p14="http://schemas.microsoft.com/office/powerpoint/2010/main">
+    <mc:Choice Requires="p14">
       <p:transition spd="slow" p14:dur="1100">
         <p14:switch dir="l"/>
       </p:transition>
     </mc:Choice>
-    <mc:Fallback>
+    <mc:Fallback xmlns="">
       <p:transition spd="slow">
         <p:fade/>
       </p:transition>
@@ -9812,13 +9795,13 @@
   <p:clrMapOvr>
     <a:masterClrMapping/>
   </p:clrMapOvr>
-  <mc:AlternateContent xmlns:mc="http://schemas.openxmlformats.org/markup-compatibility/2006">
-    <mc:Choice xmlns:p14="http://schemas.microsoft.com/office/powerpoint/2010/main" Requires="p14">
+  <mc:AlternateContent xmlns:mc="http://schemas.openxmlformats.org/markup-compatibility/2006" xmlns:p14="http://schemas.microsoft.com/office/powerpoint/2010/main">
+    <mc:Choice Requires="p14">
       <p:transition spd="slow" p14:dur="1100">
         <p14:switch dir="r"/>
       </p:transition>
     </mc:Choice>
-    <mc:Fallback>
+    <mc:Fallback xmlns="">
       <p:transition spd="slow">
         <p:fade/>
       </p:transition>
@@ -10849,13 +10832,13 @@
   <p:clrMapOvr>
     <a:masterClrMapping/>
   </p:clrMapOvr>
-  <mc:AlternateContent xmlns:mc="http://schemas.openxmlformats.org/markup-compatibility/2006">
-    <mc:Choice xmlns:p14="http://schemas.microsoft.com/office/powerpoint/2010/main" Requires="p14">
+  <mc:AlternateContent xmlns:mc="http://schemas.openxmlformats.org/markup-compatibility/2006" xmlns:p14="http://schemas.microsoft.com/office/powerpoint/2010/main">
+    <mc:Choice Requires="p14">
       <p:transition spd="slow" p14:dur="1100">
         <p14:switch dir="l"/>
       </p:transition>
     </mc:Choice>
-    <mc:Fallback>
+    <mc:Fallback xmlns="">
       <p:transition spd="slow">
         <p:fade/>
       </p:transition>
@@ -11448,13 +11431,13 @@
   <p:clrMapOvr>
     <a:masterClrMapping/>
   </p:clrMapOvr>
-  <mc:AlternateContent xmlns:mc="http://schemas.openxmlformats.org/markup-compatibility/2006">
-    <mc:Choice xmlns:p14="http://schemas.microsoft.com/office/powerpoint/2010/main" Requires="p14">
+  <mc:AlternateContent xmlns:mc="http://schemas.openxmlformats.org/markup-compatibility/2006" xmlns:p14="http://schemas.microsoft.com/office/powerpoint/2010/main">
+    <mc:Choice Requires="p14">
       <p:transition spd="slow" p14:dur="1100">
         <p14:switch dir="r"/>
       </p:transition>
     </mc:Choice>
-    <mc:Fallback>
+    <mc:Fallback xmlns="">
       <p:transition spd="slow">
         <p:fade/>
       </p:transition>
@@ -11561,13 +11544,13 @@
   <p:clrMapOvr>
     <a:masterClrMapping/>
   </p:clrMapOvr>
-  <mc:AlternateContent xmlns:mc="http://schemas.openxmlformats.org/markup-compatibility/2006">
-    <mc:Choice xmlns:p14="http://schemas.microsoft.com/office/powerpoint/2010/main" Requires="p14">
+  <mc:AlternateContent xmlns:mc="http://schemas.openxmlformats.org/markup-compatibility/2006" xmlns:p14="http://schemas.microsoft.com/office/powerpoint/2010/main">
+    <mc:Choice Requires="p14">
       <p:transition spd="slow" p14:dur="1100">
         <p14:switch dir="l"/>
       </p:transition>
     </mc:Choice>
-    <mc:Fallback>
+    <mc:Fallback xmlns="">
       <p:transition spd="slow">
         <p:fade/>
       </p:transition>
@@ -11674,13 +11657,13 @@
   <p:clrMapOvr>
     <a:masterClrMapping/>
   </p:clrMapOvr>
-  <mc:AlternateContent xmlns:mc="http://schemas.openxmlformats.org/markup-compatibility/2006">
-    <mc:Choice xmlns:p14="http://schemas.microsoft.com/office/powerpoint/2010/main" Requires="p14">
+  <mc:AlternateContent xmlns:mc="http://schemas.openxmlformats.org/markup-compatibility/2006" xmlns:p14="http://schemas.microsoft.com/office/powerpoint/2010/main">
+    <mc:Choice Requires="p14">
       <p:transition spd="slow" p14:dur="1100">
         <p14:switch dir="r"/>
       </p:transition>
     </mc:Choice>
-    <mc:Fallback>
+    <mc:Fallback xmlns="">
       <p:transition spd="slow">
         <p:fade/>
       </p:transition>
@@ -12087,13 +12070,13 @@
   <p:clrMapOvr>
     <a:masterClrMapping/>
   </p:clrMapOvr>
-  <mc:AlternateContent xmlns:mc="http://schemas.openxmlformats.org/markup-compatibility/2006">
-    <mc:Choice xmlns:p14="http://schemas.microsoft.com/office/powerpoint/2010/main" Requires="p14">
+  <mc:AlternateContent xmlns:mc="http://schemas.openxmlformats.org/markup-compatibility/2006" xmlns:p14="http://schemas.microsoft.com/office/powerpoint/2010/main">
+    <mc:Choice Requires="p14">
       <p:transition spd="slow" p14:dur="1200">
         <p14:flip dir="r"/>
       </p:transition>
     </mc:Choice>
-    <mc:Fallback>
+    <mc:Fallback xmlns="">
       <p:transition spd="slow">
         <p:fade/>
       </p:transition>
@@ -12479,13 +12462,13 @@
   <p:clrMapOvr>
     <a:masterClrMapping/>
   </p:clrMapOvr>
-  <mc:AlternateContent xmlns:mc="http://schemas.openxmlformats.org/markup-compatibility/2006">
-    <mc:Choice xmlns:p14="http://schemas.microsoft.com/office/powerpoint/2010/main" Requires="p14">
+  <mc:AlternateContent xmlns:mc="http://schemas.openxmlformats.org/markup-compatibility/2006" xmlns:p14="http://schemas.microsoft.com/office/powerpoint/2010/main">
+    <mc:Choice Requires="p14">
       <p:transition spd="slow" p14:dur="1600">
         <p14:conveyor dir="r"/>
       </p:transition>
     </mc:Choice>
-    <mc:Fallback>
+    <mc:Fallback xmlns="">
       <p:transition spd="slow">
         <p:fade/>
       </p:transition>
@@ -12693,13 +12676,13 @@
   <p:clrMapOvr>
     <a:masterClrMapping/>
   </p:clrMapOvr>
-  <mc:AlternateContent xmlns:mc="http://schemas.openxmlformats.org/markup-compatibility/2006">
-    <mc:Choice xmlns:p14="http://schemas.microsoft.com/office/powerpoint/2010/main" Requires="p14">
+  <mc:AlternateContent xmlns:mc="http://schemas.openxmlformats.org/markup-compatibility/2006" xmlns:p14="http://schemas.microsoft.com/office/powerpoint/2010/main">
+    <mc:Choice Requires="p14">
       <p:transition spd="med" p14:dur="700">
         <p:fade/>
       </p:transition>
     </mc:Choice>
-    <mc:Fallback>
+    <mc:Fallback xmlns="">
       <p:transition spd="med">
         <p:fade/>
       </p:transition>
@@ -16377,13 +16360,13 @@
   <p:clrMapOvr>
     <a:masterClrMapping/>
   </p:clrMapOvr>
-  <mc:AlternateContent xmlns:mc="http://schemas.openxmlformats.org/markup-compatibility/2006">
-    <mc:Choice xmlns:p14="http://schemas.microsoft.com/office/powerpoint/2010/main" Requires="p14">
+  <mc:AlternateContent xmlns:mc="http://schemas.openxmlformats.org/markup-compatibility/2006" xmlns:p14="http://schemas.microsoft.com/office/powerpoint/2010/main">
+    <mc:Choice Requires="p14">
       <p:transition spd="slow" p14:dur="1200">
         <p14:prism/>
       </p:transition>
     </mc:Choice>
-    <mc:Fallback>
+    <mc:Fallback xmlns="">
       <p:transition spd="slow">
         <p:fade/>
       </p:transition>
@@ -17103,13 +17086,13 @@
   <p:clrMapOvr>
     <a:masterClrMapping/>
   </p:clrMapOvr>
-  <mc:AlternateContent xmlns:mc="http://schemas.openxmlformats.org/markup-compatibility/2006">
-    <mc:Choice xmlns:p14="http://schemas.microsoft.com/office/powerpoint/2010/main" Requires="p14">
+  <mc:AlternateContent xmlns:mc="http://schemas.openxmlformats.org/markup-compatibility/2006" xmlns:p14="http://schemas.microsoft.com/office/powerpoint/2010/main">
+    <mc:Choice Requires="p14">
       <p:transition spd="slow" p14:dur="1200">
         <p14:prism dir="u"/>
       </p:transition>
     </mc:Choice>
-    <mc:Fallback>
+    <mc:Fallback xmlns="">
       <p:transition spd="slow">
         <p:fade/>
       </p:transition>
@@ -19324,18 +19307,11 @@
               <a:buChar char="•"/>
             </a:pPr>
             <a:r>
-              <a:rPr lang="en-US" sz="2400" i="1" dirty="0" err="1" smtClean="0">
-                <a:latin typeface="Times New Roman" pitchFamily="18" charset="0"/>
-                <a:cs typeface="Times New Roman" pitchFamily="18" charset="0"/>
-              </a:rPr>
-              <a:t>Dừ</a:t>
-            </a:r>
-            <a:r>
-              <a:rPr lang="en-US" sz="2400" i="1" dirty="0" smtClean="0">
-                <a:latin typeface="Times New Roman" pitchFamily="18" charset="0"/>
-                <a:cs typeface="Times New Roman" pitchFamily="18" charset="0"/>
-              </a:rPr>
-              <a:t> </a:t>
+              <a:rPr lang="en-US" sz="2400" i="1" smtClean="0">
+                <a:latin typeface="Times New Roman" pitchFamily="18" charset="0"/>
+                <a:cs typeface="Times New Roman" pitchFamily="18" charset="0"/>
+              </a:rPr>
+              <a:t>Dù </a:t>
             </a:r>
             <a:r>
               <a:rPr lang="en-US" sz="2400" i="1" dirty="0" err="1" smtClean="0">
@@ -19664,13 +19640,13 @@
   <p:clrMapOvr>
     <a:masterClrMapping/>
   </p:clrMapOvr>
-  <mc:AlternateContent xmlns:mc="http://schemas.openxmlformats.org/markup-compatibility/2006">
-    <mc:Choice xmlns:p14="http://schemas.microsoft.com/office/powerpoint/2010/main" Requires="p14">
+  <mc:AlternateContent xmlns:mc="http://schemas.openxmlformats.org/markup-compatibility/2006" xmlns:p14="http://schemas.microsoft.com/office/powerpoint/2010/main">
+    <mc:Choice Requires="p14">
       <p:transition spd="slow" p14:dur="1200">
         <p14:prism dir="u"/>
       </p:transition>
     </mc:Choice>
-    <mc:Fallback>
+    <mc:Fallback xmlns="">
       <p:transition spd="slow">
         <p:fade/>
       </p:transition>
